--- a/Числен метод-презентация2.pptx
+++ b/Числен метод-презентация2.pptx
@@ -17,8 +17,8 @@
     <p:sldId id="270" r:id="rId11"/>
     <p:sldId id="271" r:id="rId12"/>
     <p:sldId id="272" r:id="rId13"/>
-    <p:sldId id="273" r:id="rId14"/>
-    <p:sldId id="274" r:id="rId15"/>
+    <p:sldId id="274" r:id="rId14"/>
+    <p:sldId id="273" r:id="rId15"/>
     <p:sldId id="269" r:id="rId16"/>
     <p:sldId id="257" r:id="rId17"/>
   </p:sldIdLst>
@@ -303,7 +303,7 @@
           <a:p>
             <a:fld id="{48222C88-20C7-42E9-BB83-18A63957454F}" type="datetimeFigureOut">
               <a:rPr lang="en-US" smtClean="0"/>
-              <a:t>5/13/2016</a:t>
+              <a:t>5/14/2016</a:t>
             </a:fld>
             <a:endParaRPr lang="en-US"/>
           </a:p>
@@ -473,7 +473,7 @@
           <a:p>
             <a:fld id="{48222C88-20C7-42E9-BB83-18A63957454F}" type="datetimeFigureOut">
               <a:rPr lang="en-US" smtClean="0"/>
-              <a:t>5/13/2016</a:t>
+              <a:t>5/14/2016</a:t>
             </a:fld>
             <a:endParaRPr lang="en-US"/>
           </a:p>
@@ -653,7 +653,7 @@
           <a:p>
             <a:fld id="{48222C88-20C7-42E9-BB83-18A63957454F}" type="datetimeFigureOut">
               <a:rPr lang="en-US" smtClean="0"/>
-              <a:t>5/13/2016</a:t>
+              <a:t>5/14/2016</a:t>
             </a:fld>
             <a:endParaRPr lang="en-US"/>
           </a:p>
@@ -823,7 +823,7 @@
           <a:p>
             <a:fld id="{48222C88-20C7-42E9-BB83-18A63957454F}" type="datetimeFigureOut">
               <a:rPr lang="en-US" smtClean="0"/>
-              <a:t>5/13/2016</a:t>
+              <a:t>5/14/2016</a:t>
             </a:fld>
             <a:endParaRPr lang="en-US"/>
           </a:p>
@@ -1069,7 +1069,7 @@
           <a:p>
             <a:fld id="{48222C88-20C7-42E9-BB83-18A63957454F}" type="datetimeFigureOut">
               <a:rPr lang="en-US" smtClean="0"/>
-              <a:t>5/13/2016</a:t>
+              <a:t>5/14/2016</a:t>
             </a:fld>
             <a:endParaRPr lang="en-US"/>
           </a:p>
@@ -1357,7 +1357,7 @@
           <a:p>
             <a:fld id="{48222C88-20C7-42E9-BB83-18A63957454F}" type="datetimeFigureOut">
               <a:rPr lang="en-US" smtClean="0"/>
-              <a:t>5/13/2016</a:t>
+              <a:t>5/14/2016</a:t>
             </a:fld>
             <a:endParaRPr lang="en-US"/>
           </a:p>
@@ -1779,7 +1779,7 @@
           <a:p>
             <a:fld id="{48222C88-20C7-42E9-BB83-18A63957454F}" type="datetimeFigureOut">
               <a:rPr lang="en-US" smtClean="0"/>
-              <a:t>5/13/2016</a:t>
+              <a:t>5/14/2016</a:t>
             </a:fld>
             <a:endParaRPr lang="en-US"/>
           </a:p>
@@ -1897,7 +1897,7 @@
           <a:p>
             <a:fld id="{48222C88-20C7-42E9-BB83-18A63957454F}" type="datetimeFigureOut">
               <a:rPr lang="en-US" smtClean="0"/>
-              <a:t>5/13/2016</a:t>
+              <a:t>5/14/2016</a:t>
             </a:fld>
             <a:endParaRPr lang="en-US"/>
           </a:p>
@@ -1992,7 +1992,7 @@
           <a:p>
             <a:fld id="{48222C88-20C7-42E9-BB83-18A63957454F}" type="datetimeFigureOut">
               <a:rPr lang="en-US" smtClean="0"/>
-              <a:t>5/13/2016</a:t>
+              <a:t>5/14/2016</a:t>
             </a:fld>
             <a:endParaRPr lang="en-US"/>
           </a:p>
@@ -2269,7 +2269,7 @@
           <a:p>
             <a:fld id="{48222C88-20C7-42E9-BB83-18A63957454F}" type="datetimeFigureOut">
               <a:rPr lang="en-US" smtClean="0"/>
-              <a:t>5/13/2016</a:t>
+              <a:t>5/14/2016</a:t>
             </a:fld>
             <a:endParaRPr lang="en-US"/>
           </a:p>
@@ -2522,7 +2522,7 @@
           <a:p>
             <a:fld id="{48222C88-20C7-42E9-BB83-18A63957454F}" type="datetimeFigureOut">
               <a:rPr lang="en-US" smtClean="0"/>
-              <a:t>5/13/2016</a:t>
+              <a:t>5/14/2016</a:t>
             </a:fld>
             <a:endParaRPr lang="en-US"/>
           </a:p>
@@ -2735,7 +2735,7 @@
           <a:p>
             <a:fld id="{48222C88-20C7-42E9-BB83-18A63957454F}" type="datetimeFigureOut">
               <a:rPr lang="en-US" smtClean="0"/>
-              <a:t>5/13/2016</a:t>
+              <a:t>5/14/2016</a:t>
             </a:fld>
             <a:endParaRPr lang="en-US"/>
           </a:p>
@@ -3136,7 +3136,15 @@
             </a:br>
             <a:r>
               <a:rPr lang="bg-BG" sz="3600" dirty="0" smtClean="0"/>
-              <a:t>на нервни импулси</a:t>
+              <a:t>на нервни </a:t>
+            </a:r>
+            <a:r>
+              <a:rPr lang="bg-BG" sz="3600" dirty="0" smtClean="0"/>
+              <a:t>импулси.</a:t>
+            </a:r>
+            <a:r>
+              <a:rPr lang="bg-BG" sz="3600" dirty="0" smtClean="0"/>
+              <a:t/>
             </a:r>
             <a:br>
               <a:rPr lang="bg-BG" sz="3600" dirty="0" smtClean="0"/>
@@ -3267,7 +3275,7 @@
           <a:graphicData uri="http://schemas.openxmlformats.org/presentationml/2006/ole">
             <mc:AlternateContent xmlns:mc="http://schemas.openxmlformats.org/markup-compatibility/2006">
               <mc:Choice xmlns:v="urn:schemas-microsoft-com:vml" Requires="v">
-                <p:oleObj spid="_x0000_s7172" name="Equation" r:id="rId3" imgW="4000320" imgH="419040" progId="Equation.DSMT4">
+                <p:oleObj spid="_x0000_s7175" name="Equation" r:id="rId3" imgW="4000320" imgH="419040" progId="Equation.DSMT4">
                   <p:embed/>
                 </p:oleObj>
               </mc:Choice>
@@ -3312,6 +3320,13 @@
   <p:clrMapOvr>
     <a:masterClrMapping/>
   </p:clrMapOvr>
+  <p:timing>
+    <p:tnLst>
+      <p:par>
+        <p:cTn id="1" dur="indefinite" restart="never" nodeType="tmRoot"/>
+      </p:par>
+    </p:tnLst>
+  </p:timing>
 </p:sld>
 </file>
 
@@ -3365,15 +3380,27 @@
             <p:ph idx="1"/>
           </p:nvPr>
         </p:nvSpPr>
-        <p:spPr/>
-        <p:txBody>
-          <a:bodyPr/>
+        <p:spPr>
+          <a:xfrm>
+            <a:off x="457200" y="1600200"/>
+            <a:ext cx="8229600" cy="4781128"/>
+          </a:xfrm>
+        </p:spPr>
+        <p:txBody>
+          <a:bodyPr>
+            <a:normAutofit lnSpcReduction="10000"/>
+          </a:bodyPr>
           <a:lstStyle/>
           <a:p>
             <a:r>
               <a:rPr lang="bg-BG" dirty="0" smtClean="0"/>
-              <a:t>По сходен начин, използвайки формулата за числено диференциране от втори ред </a:t>
-            </a:r>
+              <a:t>По сходен начин, използвайки формулата за числено диференциране от втори </a:t>
+            </a:r>
+            <a:r>
+              <a:rPr lang="bg-BG" dirty="0" smtClean="0"/>
+              <a:t>ред, </a:t>
+            </a:r>
+            <a:endParaRPr lang="bg-BG" dirty="0" smtClean="0"/>
           </a:p>
           <a:p>
             <a:pPr marL="0" indent="0">
@@ -3390,17 +3417,33 @@
           <a:p>
             <a:r>
               <a:rPr lang="bg-BG" dirty="0" smtClean="0"/>
-              <a:t>И формулата за числено диференциране от първи ред</a:t>
-            </a:r>
-            <a:br>
+              <a:t>И формулата за числено диференциране от първи </a:t>
+            </a:r>
+            <a:r>
               <a:rPr lang="bg-BG" dirty="0" smtClean="0"/>
-            </a:br>
+              <a:t>ред</a:t>
+            </a:r>
+          </a:p>
+          <a:p>
+            <a:pPr marL="0" indent="0">
+              <a:buNone/>
+            </a:pPr>
             <a:endParaRPr lang="bg-BG" dirty="0" smtClean="0"/>
           </a:p>
           <a:p>
+            <a:pPr marL="0" indent="0">
+              <a:buNone/>
+            </a:pPr>
+            <a:endParaRPr lang="bg-BG" dirty="0" smtClean="0"/>
+          </a:p>
+          <a:p>
             <a:r>
               <a:rPr lang="bg-BG" dirty="0" smtClean="0"/>
-              <a:t>Получаваме…</a:t>
+              <a:t>Получаваме</a:t>
+            </a:r>
+            <a:r>
+              <a:rPr lang="bg-BG" dirty="0" smtClean="0"/>
+              <a:t>…</a:t>
             </a:r>
             <a:endParaRPr lang="en-US" dirty="0"/>
           </a:p>
@@ -3415,20 +3458,20 @@
           <p:nvPr>
             <p:extLst>
               <p:ext uri="{D42A27DB-BD31-4B8C-83A1-F6EECF244321}">
-                <p14:modId xmlns:p14="http://schemas.microsoft.com/office/powerpoint/2010/main" val="2550719639"/>
+                <p14:modId xmlns:p14="http://schemas.microsoft.com/office/powerpoint/2010/main" val="794875939"/>
               </p:ext>
             </p:extLst>
           </p:nvPr>
         </p:nvGraphicFramePr>
         <p:xfrm>
-          <a:off x="3275856" y="2708920"/>
+          <a:off x="3203848" y="2420888"/>
           <a:ext cx="3091980" cy="936104"/>
         </p:xfrm>
         <a:graphic>
           <a:graphicData uri="http://schemas.openxmlformats.org/presentationml/2006/ole">
             <mc:AlternateContent xmlns:mc="http://schemas.openxmlformats.org/markup-compatibility/2006">
               <mc:Choice xmlns:v="urn:schemas-microsoft-com:vml" Requires="v">
-                <p:oleObj spid="_x0000_s8199" name="Equation" r:id="rId3" imgW="1384200" imgH="419040" progId="Equation.DSMT4">
+                <p:oleObj spid="_x0000_s8212" name="Equation" r:id="rId3" imgW="1384200" imgH="419040" progId="Equation.DSMT4">
                   <p:embed/>
                 </p:oleObj>
               </mc:Choice>
@@ -3449,7 +3492,7 @@
                     </p:blipFill>
                     <p:spPr>
                       <a:xfrm>
-                        <a:off x="3275856" y="2708920"/>
+                        <a:off x="3203848" y="2420888"/>
                         <a:ext cx="3091980" cy="936104"/>
                       </a:xfrm>
                       <a:prstGeom prst="rect">
@@ -3472,20 +3515,20 @@
           <p:nvPr>
             <p:extLst>
               <p:ext uri="{D42A27DB-BD31-4B8C-83A1-F6EECF244321}">
-                <p14:modId xmlns:p14="http://schemas.microsoft.com/office/powerpoint/2010/main" val="3354797099"/>
+                <p14:modId xmlns:p14="http://schemas.microsoft.com/office/powerpoint/2010/main" val="2492671888"/>
               </p:ext>
             </p:extLst>
           </p:nvPr>
         </p:nvGraphicFramePr>
         <p:xfrm>
-          <a:off x="3995936" y="4365104"/>
-          <a:ext cx="2155876" cy="936104"/>
+          <a:off x="3419872" y="4437112"/>
+          <a:ext cx="2321712" cy="1008112"/>
         </p:xfrm>
         <a:graphic>
           <a:graphicData uri="http://schemas.openxmlformats.org/presentationml/2006/ole">
             <mc:AlternateContent xmlns:mc="http://schemas.openxmlformats.org/markup-compatibility/2006">
               <mc:Choice xmlns:v="urn:schemas-microsoft-com:vml" Requires="v">
-                <p:oleObj spid="_x0000_s8200" name="Equation" r:id="rId5" imgW="965160" imgH="419040" progId="Equation.DSMT4">
+                <p:oleObj spid="_x0000_s8213" name="Equation" r:id="rId5" imgW="965160" imgH="419040" progId="Equation.DSMT4">
                   <p:embed/>
                 </p:oleObj>
               </mc:Choice>
@@ -3506,8 +3549,8 @@
                     </p:blipFill>
                     <p:spPr>
                       <a:xfrm>
-                        <a:off x="3995936" y="4365104"/>
-                        <a:ext cx="2155876" cy="936104"/>
+                        <a:off x="3419872" y="4437112"/>
+                        <a:ext cx="2321712" cy="1008112"/>
                       </a:xfrm>
                       <a:prstGeom prst="rect">
                         <a:avLst/>
@@ -3530,6 +3573,13 @@
   <p:clrMapOvr>
     <a:masterClrMapping/>
   </p:clrMapOvr>
+  <p:timing>
+    <p:tnLst>
+      <p:par>
+        <p:cTn id="1" dur="indefinite" restart="never" nodeType="tmRoot"/>
+      </p:par>
+    </p:tnLst>
+  </p:timing>
 </p:sld>
 </file>
 
@@ -3635,7 +3685,7 @@
           <a:graphicData uri="http://schemas.openxmlformats.org/presentationml/2006/ole">
             <mc:AlternateContent xmlns:mc="http://schemas.openxmlformats.org/markup-compatibility/2006">
               <mc:Choice xmlns:v="urn:schemas-microsoft-com:vml" Requires="v">
-                <p:oleObj spid="_x0000_s9222" name="Equation" r:id="rId3" imgW="2438280" imgH="482400" progId="Equation.DSMT4">
+                <p:oleObj spid="_x0000_s9233" name="Equation" r:id="rId3" imgW="2438280" imgH="482400" progId="Equation.DSMT4">
                   <p:embed/>
                 </p:oleObj>
               </mc:Choice>
@@ -3723,7 +3773,7 @@
           <a:graphicData uri="http://schemas.openxmlformats.org/presentationml/2006/ole">
             <mc:AlternateContent xmlns:mc="http://schemas.openxmlformats.org/markup-compatibility/2006">
               <mc:Choice xmlns:v="urn:schemas-microsoft-com:vml" Requires="v">
-                <p:oleObj spid="_x0000_s9223" name="Equation" r:id="rId5" imgW="2247840" imgH="482400" progId="Equation.DSMT4">
+                <p:oleObj spid="_x0000_s9234" name="Equation" r:id="rId5" imgW="2247840" imgH="482400" progId="Equation.DSMT4">
                   <p:embed/>
                 </p:oleObj>
               </mc:Choice>
@@ -3758,6 +3808,63 @@
           </a:graphicData>
         </a:graphic>
       </p:graphicFrame>
+      <p:graphicFrame>
+        <p:nvGraphicFramePr>
+          <p:cNvPr id="5" name="Обект 4"/>
+          <p:cNvGraphicFramePr>
+            <a:graphicFrameLocks noChangeAspect="1"/>
+          </p:cNvGraphicFramePr>
+          <p:nvPr>
+            <p:extLst>
+              <p:ext uri="{D42A27DB-BD31-4B8C-83A1-F6EECF244321}">
+                <p14:modId xmlns:p14="http://schemas.microsoft.com/office/powerpoint/2010/main" val="3048845221"/>
+              </p:ext>
+            </p:extLst>
+          </p:nvPr>
+        </p:nvGraphicFramePr>
+        <p:xfrm>
+          <a:off x="4394200" y="2362200"/>
+          <a:ext cx="914400" cy="198438"/>
+        </p:xfrm>
+        <a:graphic>
+          <a:graphicData uri="http://schemas.openxmlformats.org/presentationml/2006/ole">
+            <mc:AlternateContent xmlns:mc="http://schemas.openxmlformats.org/markup-compatibility/2006">
+              <mc:Choice xmlns:v="urn:schemas-microsoft-com:vml" Requires="v">
+                <p:oleObj spid="_x0000_s9235" name="Equation" r:id="rId7" imgW="914400" imgH="198720" progId="Equation.DSMT4">
+                  <p:embed/>
+                </p:oleObj>
+              </mc:Choice>
+              <mc:Fallback>
+                <p:oleObj name="Equation" r:id="rId7" imgW="914400" imgH="198720" progId="Equation.DSMT4">
+                  <p:embed/>
+                  <p:pic>
+                    <p:nvPicPr>
+                      <p:cNvPr id="0" name=""/>
+                      <p:cNvPicPr/>
+                      <p:nvPr/>
+                    </p:nvPicPr>
+                    <p:blipFill>
+                      <a:blip r:embed="rId8"/>
+                      <a:stretch>
+                        <a:fillRect/>
+                      </a:stretch>
+                    </p:blipFill>
+                    <p:spPr>
+                      <a:xfrm>
+                        <a:off x="4394200" y="2362200"/>
+                        <a:ext cx="914400" cy="198438"/>
+                      </a:xfrm>
+                      <a:prstGeom prst="rect">
+                        <a:avLst/>
+                      </a:prstGeom>
+                    </p:spPr>
+                  </p:pic>
+                </p:oleObj>
+              </mc:Fallback>
+            </mc:AlternateContent>
+          </a:graphicData>
+        </a:graphic>
+      </p:graphicFrame>
     </p:spTree>
     <p:extLst>
       <p:ext uri="{BB962C8B-B14F-4D97-AF65-F5344CB8AC3E}">
@@ -3768,10 +3875,258 @@
   <p:clrMapOvr>
     <a:masterClrMapping/>
   </p:clrMapOvr>
+  <p:timing>
+    <p:tnLst>
+      <p:par>
+        <p:cTn id="1" dur="indefinite" restart="never" nodeType="tmRoot"/>
+      </p:par>
+    </p:tnLst>
+  </p:timing>
 </p:sld>
 </file>
 
 <file path=ppt/slides/slide13.xml><?xml version="1.0" encoding="utf-8"?>
+<p:sld xmlns:a="http://schemas.openxmlformats.org/drawingml/2006/main" xmlns:r="http://schemas.openxmlformats.org/officeDocument/2006/relationships" xmlns:p="http://schemas.openxmlformats.org/presentationml/2006/main">
+  <p:cSld>
+    <p:spTree>
+      <p:nvGrpSpPr>
+        <p:cNvPr id="1" name=""/>
+        <p:cNvGrpSpPr/>
+        <p:nvPr/>
+      </p:nvGrpSpPr>
+      <p:grpSpPr>
+        <a:xfrm>
+          <a:off x="0" y="0"/>
+          <a:ext cx="0" cy="0"/>
+          <a:chOff x="0" y="0"/>
+          <a:chExt cx="0" cy="0"/>
+        </a:xfrm>
+      </p:grpSpPr>
+      <p:sp>
+        <p:nvSpPr>
+          <p:cNvPr id="2" name="Заглавие 1"/>
+          <p:cNvSpPr>
+            <a:spLocks noGrp="1"/>
+          </p:cNvSpPr>
+          <p:nvPr>
+            <p:ph type="title"/>
+          </p:nvPr>
+        </p:nvSpPr>
+        <p:spPr/>
+        <p:txBody>
+          <a:bodyPr/>
+          <a:lstStyle/>
+          <a:p>
+            <a:r>
+              <a:rPr lang="bg-BG" dirty="0" smtClean="0"/>
+              <a:t>Устойчивост на решението</a:t>
+            </a:r>
+            <a:endParaRPr lang="en-US" dirty="0"/>
+          </a:p>
+        </p:txBody>
+      </p:sp>
+      <p:sp>
+        <p:nvSpPr>
+          <p:cNvPr id="3" name="Контейнер за съдържание 2"/>
+          <p:cNvSpPr>
+            <a:spLocks noGrp="1"/>
+          </p:cNvSpPr>
+          <p:nvPr>
+            <p:ph idx="1"/>
+          </p:nvPr>
+        </p:nvSpPr>
+        <p:spPr/>
+        <p:txBody>
+          <a:bodyPr/>
+          <a:lstStyle/>
+          <a:p>
+            <a:r>
+              <a:rPr lang="bg-BG" dirty="0" smtClean="0"/>
+              <a:t>Привеждане в канонична форма</a:t>
+            </a:r>
+          </a:p>
+          <a:p>
+            <a:endParaRPr lang="bg-BG" dirty="0"/>
+          </a:p>
+          <a:p>
+            <a:endParaRPr lang="bg-BG" dirty="0" smtClean="0"/>
+          </a:p>
+          <a:p>
+            <a:r>
+              <a:rPr lang="bg-BG" dirty="0" smtClean="0"/>
+              <a:t>Получаваме условие за устойчивост </a:t>
+            </a:r>
+            <a:endParaRPr lang="en-US" dirty="0"/>
+          </a:p>
+        </p:txBody>
+      </p:sp>
+      <p:graphicFrame>
+        <p:nvGraphicFramePr>
+          <p:cNvPr id="4" name="Обект 3"/>
+          <p:cNvGraphicFramePr>
+            <a:graphicFrameLocks noChangeAspect="1"/>
+          </p:cNvGraphicFramePr>
+          <p:nvPr>
+            <p:extLst>
+              <p:ext uri="{D42A27DB-BD31-4B8C-83A1-F6EECF244321}">
+                <p14:modId xmlns:p14="http://schemas.microsoft.com/office/powerpoint/2010/main" val="935123399"/>
+              </p:ext>
+            </p:extLst>
+          </p:nvPr>
+        </p:nvGraphicFramePr>
+        <p:xfrm>
+          <a:off x="1763688" y="2204864"/>
+          <a:ext cx="5903272" cy="875605"/>
+        </p:xfrm>
+        <a:graphic>
+          <a:graphicData uri="http://schemas.openxmlformats.org/presentationml/2006/ole">
+            <mc:AlternateContent xmlns:mc="http://schemas.openxmlformats.org/markup-compatibility/2006">
+              <mc:Choice xmlns:v="urn:schemas-microsoft-com:vml" Requires="v">
+                <p:oleObj spid="_x0000_s11271" name="Equation" r:id="rId3" imgW="2654280" imgH="393480" progId="Equation.DSMT4">
+                  <p:embed/>
+                </p:oleObj>
+              </mc:Choice>
+              <mc:Fallback>
+                <p:oleObj name="Equation" r:id="rId3" imgW="2654280" imgH="393480" progId="Equation.DSMT4">
+                  <p:embed/>
+                  <p:pic>
+                    <p:nvPicPr>
+                      <p:cNvPr id="0" name=""/>
+                      <p:cNvPicPr/>
+                      <p:nvPr/>
+                    </p:nvPicPr>
+                    <p:blipFill>
+                      <a:blip r:embed="rId4"/>
+                      <a:stretch>
+                        <a:fillRect/>
+                      </a:stretch>
+                    </p:blipFill>
+                    <p:spPr>
+                      <a:xfrm>
+                        <a:off x="1763688" y="2204864"/>
+                        <a:ext cx="5903272" cy="875605"/>
+                      </a:xfrm>
+                      <a:prstGeom prst="rect">
+                        <a:avLst/>
+                      </a:prstGeom>
+                    </p:spPr>
+                  </p:pic>
+                </p:oleObj>
+              </mc:Fallback>
+            </mc:AlternateContent>
+          </a:graphicData>
+        </a:graphic>
+      </p:graphicFrame>
+      <p:graphicFrame>
+        <p:nvGraphicFramePr>
+          <p:cNvPr id="5" name="Обект 4"/>
+          <p:cNvGraphicFramePr>
+            <a:graphicFrameLocks noChangeAspect="1"/>
+          </p:cNvGraphicFramePr>
+          <p:nvPr>
+            <p:extLst>
+              <p:ext uri="{D42A27DB-BD31-4B8C-83A1-F6EECF244321}">
+                <p14:modId xmlns:p14="http://schemas.microsoft.com/office/powerpoint/2010/main" val="1255916833"/>
+              </p:ext>
+            </p:extLst>
+          </p:nvPr>
+        </p:nvGraphicFramePr>
+        <p:xfrm>
+          <a:off x="3779912" y="4077072"/>
+          <a:ext cx="993775" cy="935037"/>
+        </p:xfrm>
+        <a:graphic>
+          <a:graphicData uri="http://schemas.openxmlformats.org/presentationml/2006/ole">
+            <mc:AlternateContent xmlns:mc="http://schemas.openxmlformats.org/markup-compatibility/2006">
+              <mc:Choice xmlns:v="urn:schemas-microsoft-com:vml" Requires="v">
+                <p:oleObj spid="_x0000_s11272" name="Equation" r:id="rId5" imgW="444240" imgH="419040" progId="Equation.DSMT4">
+                  <p:embed/>
+                </p:oleObj>
+              </mc:Choice>
+              <mc:Fallback>
+                <p:oleObj name="Equation" r:id="rId5" imgW="444240" imgH="419040" progId="Equation.DSMT4">
+                  <p:embed/>
+                  <p:pic>
+                    <p:nvPicPr>
+                      <p:cNvPr id="0" name="Обект 2"/>
+                      <p:cNvPicPr>
+                        <a:picLocks noChangeAspect="1" noChangeArrowheads="1"/>
+                      </p:cNvPicPr>
+                      <p:nvPr/>
+                    </p:nvPicPr>
+                    <p:blipFill>
+                      <a:blip r:embed="rId6">
+                        <a:extLst>
+                          <a:ext uri="{28A0092B-C50C-407E-A947-70E740481C1C}">
+                            <a14:useLocalDpi xmlns:a14="http://schemas.microsoft.com/office/drawing/2010/main" val="0"/>
+                          </a:ext>
+                        </a:extLst>
+                      </a:blip>
+                      <a:srcRect/>
+                      <a:stretch>
+                        <a:fillRect/>
+                      </a:stretch>
+                    </p:blipFill>
+                    <p:spPr bwMode="auto">
+                      <a:xfrm>
+                        <a:off x="3779912" y="4077072"/>
+                        <a:ext cx="993775" cy="935037"/>
+                      </a:xfrm>
+                      <a:prstGeom prst="rect">
+                        <a:avLst/>
+                      </a:prstGeom>
+                      <a:noFill/>
+                      <a:ln>
+                        <a:noFill/>
+                      </a:ln>
+                      <a:extLst>
+                        <a:ext uri="{909E8E84-426E-40DD-AFC4-6F175D3DCCD1}">
+                          <a14:hiddenFill xmlns:a14="http://schemas.microsoft.com/office/drawing/2010/main">
+                            <a:solidFill>
+                              <a:srgbClr val="FFFFFF"/>
+                            </a:solidFill>
+                          </a14:hiddenFill>
+                        </a:ext>
+                        <a:ext uri="{91240B29-F687-4F45-9708-019B960494DF}">
+                          <a14:hiddenLine xmlns:a14="http://schemas.microsoft.com/office/drawing/2010/main" w="9525">
+                            <a:solidFill>
+                              <a:srgbClr val="000000"/>
+                            </a:solidFill>
+                            <a:miter lim="800000"/>
+                            <a:headEnd/>
+                            <a:tailEnd/>
+                          </a14:hiddenLine>
+                        </a:ext>
+                      </a:extLst>
+                    </p:spPr>
+                  </p:pic>
+                </p:oleObj>
+              </mc:Fallback>
+            </mc:AlternateContent>
+          </a:graphicData>
+        </a:graphic>
+      </p:graphicFrame>
+    </p:spTree>
+    <p:extLst>
+      <p:ext uri="{BB962C8B-B14F-4D97-AF65-F5344CB8AC3E}">
+        <p14:creationId xmlns:p14="http://schemas.microsoft.com/office/powerpoint/2010/main" val="4041015577"/>
+      </p:ext>
+    </p:extLst>
+  </p:cSld>
+  <p:clrMapOvr>
+    <a:masterClrMapping/>
+  </p:clrMapOvr>
+  <p:timing>
+    <p:tnLst>
+      <p:par>
+        <p:cTn id="1" dur="indefinite" restart="never" nodeType="tmRoot"/>
+      </p:par>
+    </p:tnLst>
+  </p:timing>
+</p:sld>
+</file>
+
+<file path=ppt/slides/slide14.xml><?xml version="1.0" encoding="utf-8"?>
 <p:sld xmlns:a="http://schemas.openxmlformats.org/drawingml/2006/main" xmlns:r="http://schemas.openxmlformats.org/officeDocument/2006/relationships" xmlns:p="http://schemas.openxmlformats.org/presentationml/2006/main">
   <p:cSld>
     <p:spTree>
@@ -3911,74 +4266,13 @@
   <p:clrMapOvr>
     <a:masterClrMapping/>
   </p:clrMapOvr>
-</p:sld>
-</file>
-
-<file path=ppt/slides/slide14.xml><?xml version="1.0" encoding="utf-8"?>
-<p:sld xmlns:a="http://schemas.openxmlformats.org/drawingml/2006/main" xmlns:r="http://schemas.openxmlformats.org/officeDocument/2006/relationships" xmlns:p="http://schemas.openxmlformats.org/presentationml/2006/main">
-  <p:cSld>
-    <p:spTree>
-      <p:nvGrpSpPr>
-        <p:cNvPr id="1" name=""/>
-        <p:cNvGrpSpPr/>
-        <p:nvPr/>
-      </p:nvGrpSpPr>
-      <p:grpSpPr>
-        <a:xfrm>
-          <a:off x="0" y="0"/>
-          <a:ext cx="0" cy="0"/>
-          <a:chOff x="0" y="0"/>
-          <a:chExt cx="0" cy="0"/>
-        </a:xfrm>
-      </p:grpSpPr>
-      <p:sp>
-        <p:nvSpPr>
-          <p:cNvPr id="2" name="Заглавие 1"/>
-          <p:cNvSpPr>
-            <a:spLocks noGrp="1"/>
-          </p:cNvSpPr>
-          <p:nvPr>
-            <p:ph type="title"/>
-          </p:nvPr>
-        </p:nvSpPr>
-        <p:spPr/>
-        <p:txBody>
-          <a:bodyPr/>
-          <a:lstStyle/>
-          <a:p>
-            <a:endParaRPr lang="en-US"/>
-          </a:p>
-        </p:txBody>
-      </p:sp>
-      <p:sp>
-        <p:nvSpPr>
-          <p:cNvPr id="3" name="Контейнер за съдържание 2"/>
-          <p:cNvSpPr>
-            <a:spLocks noGrp="1"/>
-          </p:cNvSpPr>
-          <p:nvPr>
-            <p:ph idx="1"/>
-          </p:nvPr>
-        </p:nvSpPr>
-        <p:spPr/>
-        <p:txBody>
-          <a:bodyPr/>
-          <a:lstStyle/>
-          <a:p>
-            <a:endParaRPr lang="en-US"/>
-          </a:p>
-        </p:txBody>
-      </p:sp>
-    </p:spTree>
-    <p:extLst>
-      <p:ext uri="{BB962C8B-B14F-4D97-AF65-F5344CB8AC3E}">
-        <p14:creationId xmlns:p14="http://schemas.microsoft.com/office/powerpoint/2010/main" val="388091866"/>
-      </p:ext>
-    </p:extLst>
-  </p:cSld>
-  <p:clrMapOvr>
-    <a:masterClrMapping/>
-  </p:clrMapOvr>
+  <p:timing>
+    <p:tnLst>
+      <p:par>
+        <p:cTn id="1" dur="indefinite" restart="never" nodeType="tmRoot"/>
+      </p:par>
+    </p:tnLst>
+  </p:timing>
 </p:sld>
 </file>
 
@@ -4039,6 +4333,13 @@
   <p:clrMapOvr>
     <a:masterClrMapping/>
   </p:clrMapOvr>
+  <p:timing>
+    <p:tnLst>
+      <p:par>
+        <p:cTn id="1" dur="indefinite" restart="never" nodeType="tmRoot"/>
+      </p:par>
+    </p:tnLst>
+  </p:timing>
 </p:sld>
 </file>
 
@@ -4174,7 +4475,7 @@
           <a:graphicData uri="http://schemas.openxmlformats.org/presentationml/2006/ole">
             <mc:AlternateContent xmlns:mc="http://schemas.openxmlformats.org/markup-compatibility/2006">
               <mc:Choice xmlns:v="urn:schemas-microsoft-com:vml" Requires="v">
-                <p:oleObj spid="_x0000_s1029" name="Equation" r:id="rId3" imgW="4012920" imgH="1879560" progId="Equation.DSMT4">
+                <p:oleObj spid="_x0000_s1032" name="Equation" r:id="rId3" imgW="4012920" imgH="1879560" progId="Equation.DSMT4">
                   <p:embed/>
                 </p:oleObj>
               </mc:Choice>
@@ -4270,6 +4571,13 @@
   <p:clrMapOvr>
     <a:masterClrMapping/>
   </p:clrMapOvr>
+  <p:timing>
+    <p:tnLst>
+      <p:par>
+        <p:cTn id="1" dur="indefinite" restart="never" nodeType="tmRoot"/>
+      </p:par>
+    </p:tnLst>
+  </p:timing>
 </p:sld>
 </file>
 
@@ -4352,6 +4660,13 @@
   <p:clrMapOvr>
     <a:masterClrMapping/>
   </p:clrMapOvr>
+  <p:timing>
+    <p:tnLst>
+      <p:par>
+        <p:cTn id="1" dur="indefinite" restart="never" nodeType="tmRoot"/>
+      </p:par>
+    </p:tnLst>
+  </p:timing>
 </p:sld>
 </file>
 
@@ -4440,6 +4755,13 @@
   <p:clrMapOvr>
     <a:masterClrMapping/>
   </p:clrMapOvr>
+  <p:timing>
+    <p:tnLst>
+      <p:par>
+        <p:cTn id="1" dur="indefinite" restart="never" nodeType="tmRoot"/>
+      </p:par>
+    </p:tnLst>
+  </p:timing>
 </p:sld>
 </file>
 
@@ -4514,7 +4836,7 @@
           <a:graphicData uri="http://schemas.openxmlformats.org/presentationml/2006/ole">
             <mc:AlternateContent xmlns:mc="http://schemas.openxmlformats.org/markup-compatibility/2006">
               <mc:Choice xmlns:v="urn:schemas-microsoft-com:vml" Requires="v">
-                <p:oleObj spid="_x0000_s5124" name="Equation" r:id="rId3" imgW="952200" imgH="838080" progId="Equation.DSMT4">
+                <p:oleObj spid="_x0000_s5127" name="Equation" r:id="rId3" imgW="952200" imgH="838080" progId="Equation.DSMT4">
                   <p:embed/>
                 </p:oleObj>
               </mc:Choice>
@@ -4559,6 +4881,13 @@
   <p:clrMapOvr>
     <a:masterClrMapping/>
   </p:clrMapOvr>
+  <p:timing>
+    <p:tnLst>
+      <p:par>
+        <p:cTn id="1" dur="indefinite" restart="never" nodeType="tmRoot"/>
+      </p:par>
+    </p:tnLst>
+  </p:timing>
 </p:sld>
 </file>
 
@@ -4602,25 +4931,96 @@
           </a:p>
         </p:txBody>
       </p:sp>
-      <p:sp>
-        <p:nvSpPr>
-          <p:cNvPr id="3" name="Контейнер за съдържание 2"/>
-          <p:cNvSpPr>
-            <a:spLocks noGrp="1"/>
-          </p:cNvSpPr>
-          <p:nvPr>
-            <p:ph idx="1"/>
-          </p:nvPr>
-        </p:nvSpPr>
-        <p:spPr/>
-        <p:txBody>
-          <a:bodyPr/>
-          <a:lstStyle/>
-          <a:p>
-            <a:endParaRPr lang="en-US"/>
-          </a:p>
-        </p:txBody>
-      </p:sp>
+      <p:pic>
+        <p:nvPicPr>
+          <p:cNvPr id="4" name="Картина 3"/>
+          <p:cNvPicPr>
+            <a:picLocks noChangeAspect="1"/>
+          </p:cNvPicPr>
+          <p:nvPr/>
+        </p:nvPicPr>
+        <p:blipFill>
+          <a:blip r:embed="rId2">
+            <a:extLst>
+              <a:ext uri="{28A0092B-C50C-407E-A947-70E740481C1C}">
+                <a14:useLocalDpi xmlns:a14="http://schemas.microsoft.com/office/drawing/2010/main" val="0"/>
+              </a:ext>
+            </a:extLst>
+          </a:blip>
+          <a:stretch>
+            <a:fillRect/>
+          </a:stretch>
+        </p:blipFill>
+        <p:spPr>
+          <a:xfrm>
+            <a:off x="2627784" y="4437112"/>
+            <a:ext cx="3429000" cy="2200275"/>
+          </a:xfrm>
+          <a:prstGeom prst="rect">
+            <a:avLst/>
+          </a:prstGeom>
+        </p:spPr>
+      </p:pic>
+      <p:pic>
+        <p:nvPicPr>
+          <p:cNvPr id="5" name="Картина 4"/>
+          <p:cNvPicPr>
+            <a:picLocks noChangeAspect="1"/>
+          </p:cNvPicPr>
+          <p:nvPr/>
+        </p:nvPicPr>
+        <p:blipFill>
+          <a:blip r:embed="rId3">
+            <a:extLst>
+              <a:ext uri="{28A0092B-C50C-407E-A947-70E740481C1C}">
+                <a14:useLocalDpi xmlns:a14="http://schemas.microsoft.com/office/drawing/2010/main" val="0"/>
+              </a:ext>
+            </a:extLst>
+          </a:blip>
+          <a:stretch>
+            <a:fillRect/>
+          </a:stretch>
+        </p:blipFill>
+        <p:spPr>
+          <a:xfrm>
+            <a:off x="4943476" y="1844824"/>
+            <a:ext cx="3429000" cy="2190750"/>
+          </a:xfrm>
+          <a:prstGeom prst="rect">
+            <a:avLst/>
+          </a:prstGeom>
+        </p:spPr>
+      </p:pic>
+      <p:pic>
+        <p:nvPicPr>
+          <p:cNvPr id="6" name="Картина 5"/>
+          <p:cNvPicPr>
+            <a:picLocks noChangeAspect="1"/>
+          </p:cNvPicPr>
+          <p:nvPr/>
+        </p:nvPicPr>
+        <p:blipFill>
+          <a:blip r:embed="rId4">
+            <a:extLst>
+              <a:ext uri="{28A0092B-C50C-407E-A947-70E740481C1C}">
+                <a14:useLocalDpi xmlns:a14="http://schemas.microsoft.com/office/drawing/2010/main" val="0"/>
+              </a:ext>
+            </a:extLst>
+          </a:blip>
+          <a:stretch>
+            <a:fillRect/>
+          </a:stretch>
+        </p:blipFill>
+        <p:spPr>
+          <a:xfrm>
+            <a:off x="323528" y="1844824"/>
+            <a:ext cx="3429000" cy="2190750"/>
+          </a:xfrm>
+          <a:prstGeom prst="rect">
+            <a:avLst/>
+          </a:prstGeom>
+        </p:spPr>
+      </p:pic>
     </p:spTree>
     <p:extLst>
       <p:ext uri="{BB962C8B-B14F-4D97-AF65-F5344CB8AC3E}">
@@ -4763,7 +5163,7 @@
           <a:graphicData uri="http://schemas.openxmlformats.org/presentationml/2006/ole">
             <mc:AlternateContent xmlns:mc="http://schemas.openxmlformats.org/markup-compatibility/2006">
               <mc:Choice xmlns:v="urn:schemas-microsoft-com:vml" Requires="v">
-                <p:oleObj spid="_x0000_s4105" name="Equation" r:id="rId3" imgW="2095200" imgH="393480" progId="Equation.DSMT4">
+                <p:oleObj spid="_x0000_s4111" name="Equation" r:id="rId3" imgW="2095200" imgH="393480" progId="Equation.DSMT4">
                   <p:embed/>
                 </p:oleObj>
               </mc:Choice>
@@ -4897,7 +5297,7 @@
           <a:graphicData uri="http://schemas.openxmlformats.org/presentationml/2006/ole">
             <mc:AlternateContent xmlns:mc="http://schemas.openxmlformats.org/markup-compatibility/2006">
               <mc:Choice xmlns:v="urn:schemas-microsoft-com:vml" Requires="v">
-                <p:oleObj spid="_x0000_s4106" name="Equation" r:id="rId6" imgW="1180800" imgH="228600" progId="Equation.DSMT4">
+                <p:oleObj spid="_x0000_s4112" name="Equation" r:id="rId6" imgW="1180800" imgH="228600" progId="Equation.DSMT4">
                   <p:embed/>
                 </p:oleObj>
               </mc:Choice>
@@ -5006,7 +5406,7 @@
           <p:nvPr>
             <p:extLst>
               <p:ext uri="{D42A27DB-BD31-4B8C-83A1-F6EECF244321}">
-                <p14:modId xmlns:p14="http://schemas.microsoft.com/office/powerpoint/2010/main" val="434505633"/>
+                <p14:modId xmlns:p14="http://schemas.microsoft.com/office/powerpoint/2010/main" val="1859226549"/>
               </p:ext>
             </p:extLst>
           </p:nvPr>
@@ -5019,7 +5419,7 @@
           <a:graphicData uri="http://schemas.openxmlformats.org/presentationml/2006/ole">
             <mc:AlternateContent xmlns:mc="http://schemas.openxmlformats.org/markup-compatibility/2006">
               <mc:Choice xmlns:v="urn:schemas-microsoft-com:vml" Requires="v">
-                <p:oleObj spid="_x0000_s6150" name="Equation" r:id="rId3" imgW="4012920" imgH="1879560" progId="Equation.DSMT4">
+                <p:oleObj spid="_x0000_s6155" name="Equation" r:id="rId3" imgW="4012920" imgH="1879560" progId="Equation.DSMT4">
                   <p:embed/>
                 </p:oleObj>
               </mc:Choice>
